--- a/ppt 16-9/1213.新年贺歌.pptx
+++ b/ppt 16-9/1213.新年贺歌.pptx
@@ -5,7 +5,7 @@
     <p:sldMasterId id="2147483648" r:id="rId1"/>
   </p:sldMasterIdLst>
   <p:sldIdLst>
-    <p:sldId id="743" r:id="rId2"/>
+    <p:sldId id="744" r:id="rId2"/>
   </p:sldIdLst>
   <p:sldSz cx="12192000" cy="6858000"/>
   <p:notesSz cx="6858000" cy="9144000"/>
@@ -129,7 +129,7 @@
           <p:cNvPr id="2" name="标题 1">
             <a:extLst>
               <a:ext uri="{FF2B5EF4-FFF2-40B4-BE49-F238E27FC236}">
-                <a16:creationId xmlns:a16="http://schemas.microsoft.com/office/drawing/2014/main" id="{55E90D37-5FE6-6B54-955A-8DCE4FAE792C}"/>
+                <a16:creationId xmlns:a16="http://schemas.microsoft.com/office/drawing/2014/main" id="{13A2887D-BBD1-E77F-A85E-D0512EA0E60C}"/>
               </a:ext>
             </a:extLst>
           </p:cNvPr>
@@ -166,7 +166,7 @@
           <p:cNvPr id="3" name="副标题 2">
             <a:extLst>
               <a:ext uri="{FF2B5EF4-FFF2-40B4-BE49-F238E27FC236}">
-                <a16:creationId xmlns:a16="http://schemas.microsoft.com/office/drawing/2014/main" id="{D4308455-F3F3-7C66-043E-46D355772A8D}"/>
+                <a16:creationId xmlns:a16="http://schemas.microsoft.com/office/drawing/2014/main" id="{DAC86884-CBE2-3481-EAF1-36815F25D8A5}"/>
               </a:ext>
             </a:extLst>
           </p:cNvPr>
@@ -236,7 +236,7 @@
           <p:cNvPr id="4" name="日期占位符 3">
             <a:extLst>
               <a:ext uri="{FF2B5EF4-FFF2-40B4-BE49-F238E27FC236}">
-                <a16:creationId xmlns:a16="http://schemas.microsoft.com/office/drawing/2014/main" id="{E2F697A8-3BE6-242C-14EA-E653700FE81F}"/>
+                <a16:creationId xmlns:a16="http://schemas.microsoft.com/office/drawing/2014/main" id="{71C31645-DF64-BBA8-EABA-F2DC7B36EA47}"/>
               </a:ext>
             </a:extLst>
           </p:cNvPr>
@@ -252,7 +252,7 @@
           <a:bodyPr/>
           <a:lstStyle/>
           <a:p>
-            <a:fld id="{0D6F8DA2-A8F3-4357-84D2-2E4C137EFED5}" type="datetimeFigureOut">
+            <a:fld id="{9A3350DF-570C-4250-AAE8-E480C495E539}" type="datetimeFigureOut">
               <a:rPr lang="zh-CN" altLang="en-US" smtClean="0"/>
               <a:t>2024/3/10</a:t>
             </a:fld>
@@ -265,7 +265,7 @@
           <p:cNvPr id="5" name="页脚占位符 4">
             <a:extLst>
               <a:ext uri="{FF2B5EF4-FFF2-40B4-BE49-F238E27FC236}">
-                <a16:creationId xmlns:a16="http://schemas.microsoft.com/office/drawing/2014/main" id="{555E824A-D09F-D359-915F-BA278B08CD24}"/>
+                <a16:creationId xmlns:a16="http://schemas.microsoft.com/office/drawing/2014/main" id="{333F6E1A-D4A1-0D42-B847-71BAF0C485DC}"/>
               </a:ext>
             </a:extLst>
           </p:cNvPr>
@@ -290,7 +290,7 @@
           <p:cNvPr id="6" name="灯片编号占位符 5">
             <a:extLst>
               <a:ext uri="{FF2B5EF4-FFF2-40B4-BE49-F238E27FC236}">
-                <a16:creationId xmlns:a16="http://schemas.microsoft.com/office/drawing/2014/main" id="{AA42D216-AB6C-DAD3-5998-530169A9E36B}"/>
+                <a16:creationId xmlns:a16="http://schemas.microsoft.com/office/drawing/2014/main" id="{45F73CE6-4CE7-68A6-4875-6ADB5C372B22}"/>
               </a:ext>
             </a:extLst>
           </p:cNvPr>
@@ -306,7 +306,7 @@
           <a:bodyPr/>
           <a:lstStyle/>
           <a:p>
-            <a:fld id="{8311B822-16E9-4FA9-82C1-E02E1D4E2C3D}" type="slidenum">
+            <a:fld id="{6CE7E918-2D76-48E2-A723-2055D3D3E814}" type="slidenum">
               <a:rPr lang="zh-CN" altLang="en-US" smtClean="0"/>
               <a:t>‹#›</a:t>
             </a:fld>
@@ -317,7 +317,7 @@
     </p:spTree>
     <p:extLst>
       <p:ext uri="{BB962C8B-B14F-4D97-AF65-F5344CB8AC3E}">
-        <p14:creationId xmlns:p14="http://schemas.microsoft.com/office/powerpoint/2010/main" val="1131926459"/>
+        <p14:creationId xmlns:p14="http://schemas.microsoft.com/office/powerpoint/2010/main" val="1607775778"/>
       </p:ext>
     </p:extLst>
   </p:cSld>
@@ -349,7 +349,7 @@
           <p:cNvPr id="2" name="标题 1">
             <a:extLst>
               <a:ext uri="{FF2B5EF4-FFF2-40B4-BE49-F238E27FC236}">
-                <a16:creationId xmlns:a16="http://schemas.microsoft.com/office/drawing/2014/main" id="{A1EDCCAD-395A-5600-837D-4E27D3333D95}"/>
+                <a16:creationId xmlns:a16="http://schemas.microsoft.com/office/drawing/2014/main" id="{0E73B1ED-876E-663A-4B67-B42A48730685}"/>
               </a:ext>
             </a:extLst>
           </p:cNvPr>
@@ -377,7 +377,7 @@
           <p:cNvPr id="3" name="竖排文字占位符 2">
             <a:extLst>
               <a:ext uri="{FF2B5EF4-FFF2-40B4-BE49-F238E27FC236}">
-                <a16:creationId xmlns:a16="http://schemas.microsoft.com/office/drawing/2014/main" id="{C1D0A6EC-2166-662F-BBC0-8855B4235FF1}"/>
+                <a16:creationId xmlns:a16="http://schemas.microsoft.com/office/drawing/2014/main" id="{3B656942-D0F0-2D90-BB97-77230F9B7923}"/>
               </a:ext>
             </a:extLst>
           </p:cNvPr>
@@ -434,7 +434,7 @@
           <p:cNvPr id="4" name="日期占位符 3">
             <a:extLst>
               <a:ext uri="{FF2B5EF4-FFF2-40B4-BE49-F238E27FC236}">
-                <a16:creationId xmlns:a16="http://schemas.microsoft.com/office/drawing/2014/main" id="{997A8E98-A345-2C4C-BDE1-0BE3694CE8BD}"/>
+                <a16:creationId xmlns:a16="http://schemas.microsoft.com/office/drawing/2014/main" id="{8A6F6BDC-F773-DFAC-6BB2-F371E1CDFB75}"/>
               </a:ext>
             </a:extLst>
           </p:cNvPr>
@@ -450,7 +450,7 @@
           <a:bodyPr/>
           <a:lstStyle/>
           <a:p>
-            <a:fld id="{0D6F8DA2-A8F3-4357-84D2-2E4C137EFED5}" type="datetimeFigureOut">
+            <a:fld id="{9A3350DF-570C-4250-AAE8-E480C495E539}" type="datetimeFigureOut">
               <a:rPr lang="zh-CN" altLang="en-US" smtClean="0"/>
               <a:t>2024/3/10</a:t>
             </a:fld>
@@ -463,7 +463,7 @@
           <p:cNvPr id="5" name="页脚占位符 4">
             <a:extLst>
               <a:ext uri="{FF2B5EF4-FFF2-40B4-BE49-F238E27FC236}">
-                <a16:creationId xmlns:a16="http://schemas.microsoft.com/office/drawing/2014/main" id="{C14EB2B4-75C2-CF06-6564-D589D591724B}"/>
+                <a16:creationId xmlns:a16="http://schemas.microsoft.com/office/drawing/2014/main" id="{4CC337F2-E216-C9A1-AB27-BF8631B58F54}"/>
               </a:ext>
             </a:extLst>
           </p:cNvPr>
@@ -488,7 +488,7 @@
           <p:cNvPr id="6" name="灯片编号占位符 5">
             <a:extLst>
               <a:ext uri="{FF2B5EF4-FFF2-40B4-BE49-F238E27FC236}">
-                <a16:creationId xmlns:a16="http://schemas.microsoft.com/office/drawing/2014/main" id="{38A58E40-D64A-A688-FBB5-B4745ED16434}"/>
+                <a16:creationId xmlns:a16="http://schemas.microsoft.com/office/drawing/2014/main" id="{A792ECE9-2E24-5010-4BED-58196E0EDCC1}"/>
               </a:ext>
             </a:extLst>
           </p:cNvPr>
@@ -504,7 +504,7 @@
           <a:bodyPr/>
           <a:lstStyle/>
           <a:p>
-            <a:fld id="{8311B822-16E9-4FA9-82C1-E02E1D4E2C3D}" type="slidenum">
+            <a:fld id="{6CE7E918-2D76-48E2-A723-2055D3D3E814}" type="slidenum">
               <a:rPr lang="zh-CN" altLang="en-US" smtClean="0"/>
               <a:t>‹#›</a:t>
             </a:fld>
@@ -515,7 +515,7 @@
     </p:spTree>
     <p:extLst>
       <p:ext uri="{BB962C8B-B14F-4D97-AF65-F5344CB8AC3E}">
-        <p14:creationId xmlns:p14="http://schemas.microsoft.com/office/powerpoint/2010/main" val="4019899021"/>
+        <p14:creationId xmlns:p14="http://schemas.microsoft.com/office/powerpoint/2010/main" val="4124030885"/>
       </p:ext>
     </p:extLst>
   </p:cSld>
@@ -547,7 +547,7 @@
           <p:cNvPr id="2" name="竖排标题 1">
             <a:extLst>
               <a:ext uri="{FF2B5EF4-FFF2-40B4-BE49-F238E27FC236}">
-                <a16:creationId xmlns:a16="http://schemas.microsoft.com/office/drawing/2014/main" id="{8CCA9307-EDA3-FAFA-DEF9-71F8BDFC7D11}"/>
+                <a16:creationId xmlns:a16="http://schemas.microsoft.com/office/drawing/2014/main" id="{126EC5DE-2283-A3C0-AD3F-294D4F7F2AD8}"/>
               </a:ext>
             </a:extLst>
           </p:cNvPr>
@@ -580,7 +580,7 @@
           <p:cNvPr id="3" name="竖排文字占位符 2">
             <a:extLst>
               <a:ext uri="{FF2B5EF4-FFF2-40B4-BE49-F238E27FC236}">
-                <a16:creationId xmlns:a16="http://schemas.microsoft.com/office/drawing/2014/main" id="{FF88AB13-094E-69A7-EB5E-B7E54EDAB60B}"/>
+                <a16:creationId xmlns:a16="http://schemas.microsoft.com/office/drawing/2014/main" id="{1140DD04-01C8-98C8-271F-F21D7EDF1994}"/>
               </a:ext>
             </a:extLst>
           </p:cNvPr>
@@ -642,7 +642,7 @@
           <p:cNvPr id="4" name="日期占位符 3">
             <a:extLst>
               <a:ext uri="{FF2B5EF4-FFF2-40B4-BE49-F238E27FC236}">
-                <a16:creationId xmlns:a16="http://schemas.microsoft.com/office/drawing/2014/main" id="{5789D7F8-E439-C84D-DC22-249451ADF765}"/>
+                <a16:creationId xmlns:a16="http://schemas.microsoft.com/office/drawing/2014/main" id="{6B8958F1-3F38-4C40-840E-1362E4C223F2}"/>
               </a:ext>
             </a:extLst>
           </p:cNvPr>
@@ -658,7 +658,7 @@
           <a:bodyPr/>
           <a:lstStyle/>
           <a:p>
-            <a:fld id="{0D6F8DA2-A8F3-4357-84D2-2E4C137EFED5}" type="datetimeFigureOut">
+            <a:fld id="{9A3350DF-570C-4250-AAE8-E480C495E539}" type="datetimeFigureOut">
               <a:rPr lang="zh-CN" altLang="en-US" smtClean="0"/>
               <a:t>2024/3/10</a:t>
             </a:fld>
@@ -671,7 +671,7 @@
           <p:cNvPr id="5" name="页脚占位符 4">
             <a:extLst>
               <a:ext uri="{FF2B5EF4-FFF2-40B4-BE49-F238E27FC236}">
-                <a16:creationId xmlns:a16="http://schemas.microsoft.com/office/drawing/2014/main" id="{C77F9915-D634-7DA3-436C-D61E944BF329}"/>
+                <a16:creationId xmlns:a16="http://schemas.microsoft.com/office/drawing/2014/main" id="{267FC8A0-DC44-4016-F196-D5BC5DFA8948}"/>
               </a:ext>
             </a:extLst>
           </p:cNvPr>
@@ -696,7 +696,7 @@
           <p:cNvPr id="6" name="灯片编号占位符 5">
             <a:extLst>
               <a:ext uri="{FF2B5EF4-FFF2-40B4-BE49-F238E27FC236}">
-                <a16:creationId xmlns:a16="http://schemas.microsoft.com/office/drawing/2014/main" id="{A0E12864-0BB7-9EF0-8BDB-9437435C7AE2}"/>
+                <a16:creationId xmlns:a16="http://schemas.microsoft.com/office/drawing/2014/main" id="{FC0B5F7F-0DE2-CD64-BBF7-946362255572}"/>
               </a:ext>
             </a:extLst>
           </p:cNvPr>
@@ -712,7 +712,7 @@
           <a:bodyPr/>
           <a:lstStyle/>
           <a:p>
-            <a:fld id="{8311B822-16E9-4FA9-82C1-E02E1D4E2C3D}" type="slidenum">
+            <a:fld id="{6CE7E918-2D76-48E2-A723-2055D3D3E814}" type="slidenum">
               <a:rPr lang="zh-CN" altLang="en-US" smtClean="0"/>
               <a:t>‹#›</a:t>
             </a:fld>
@@ -723,7 +723,7 @@
     </p:spTree>
     <p:extLst>
       <p:ext uri="{BB962C8B-B14F-4D97-AF65-F5344CB8AC3E}">
-        <p14:creationId xmlns:p14="http://schemas.microsoft.com/office/powerpoint/2010/main" val="1911112065"/>
+        <p14:creationId xmlns:p14="http://schemas.microsoft.com/office/powerpoint/2010/main" val="1096713641"/>
       </p:ext>
     </p:extLst>
   </p:cSld>
@@ -755,7 +755,7 @@
           <p:cNvPr id="2" name="标题 1">
             <a:extLst>
               <a:ext uri="{FF2B5EF4-FFF2-40B4-BE49-F238E27FC236}">
-                <a16:creationId xmlns:a16="http://schemas.microsoft.com/office/drawing/2014/main" id="{81B7DBCC-4A81-0637-037E-F3282707273E}"/>
+                <a16:creationId xmlns:a16="http://schemas.microsoft.com/office/drawing/2014/main" id="{63FEC118-09F3-D70D-22F0-56539C353F32}"/>
               </a:ext>
             </a:extLst>
           </p:cNvPr>
@@ -783,7 +783,7 @@
           <p:cNvPr id="3" name="内容占位符 2">
             <a:extLst>
               <a:ext uri="{FF2B5EF4-FFF2-40B4-BE49-F238E27FC236}">
-                <a16:creationId xmlns:a16="http://schemas.microsoft.com/office/drawing/2014/main" id="{5D2E0B3F-30A8-9725-73E4-A0E6D8312F71}"/>
+                <a16:creationId xmlns:a16="http://schemas.microsoft.com/office/drawing/2014/main" id="{97B1CFB3-98F6-5D73-18E7-C0780B0A4467}"/>
               </a:ext>
             </a:extLst>
           </p:cNvPr>
@@ -840,7 +840,7 @@
           <p:cNvPr id="4" name="日期占位符 3">
             <a:extLst>
               <a:ext uri="{FF2B5EF4-FFF2-40B4-BE49-F238E27FC236}">
-                <a16:creationId xmlns:a16="http://schemas.microsoft.com/office/drawing/2014/main" id="{DE8206D2-0EFD-CC09-894B-E66BB6CCB8F0}"/>
+                <a16:creationId xmlns:a16="http://schemas.microsoft.com/office/drawing/2014/main" id="{C0EB03A6-6925-BDAA-B1F1-521E328E3D30}"/>
               </a:ext>
             </a:extLst>
           </p:cNvPr>
@@ -856,7 +856,7 @@
           <a:bodyPr/>
           <a:lstStyle/>
           <a:p>
-            <a:fld id="{0D6F8DA2-A8F3-4357-84D2-2E4C137EFED5}" type="datetimeFigureOut">
+            <a:fld id="{9A3350DF-570C-4250-AAE8-E480C495E539}" type="datetimeFigureOut">
               <a:rPr lang="zh-CN" altLang="en-US" smtClean="0"/>
               <a:t>2024/3/10</a:t>
             </a:fld>
@@ -869,7 +869,7 @@
           <p:cNvPr id="5" name="页脚占位符 4">
             <a:extLst>
               <a:ext uri="{FF2B5EF4-FFF2-40B4-BE49-F238E27FC236}">
-                <a16:creationId xmlns:a16="http://schemas.microsoft.com/office/drawing/2014/main" id="{4DE5E6F5-8DAA-A400-6AE6-CF3D290717DC}"/>
+                <a16:creationId xmlns:a16="http://schemas.microsoft.com/office/drawing/2014/main" id="{8E28361B-EC4F-1AB6-92B8-2644D75C6AC4}"/>
               </a:ext>
             </a:extLst>
           </p:cNvPr>
@@ -894,7 +894,7 @@
           <p:cNvPr id="6" name="灯片编号占位符 5">
             <a:extLst>
               <a:ext uri="{FF2B5EF4-FFF2-40B4-BE49-F238E27FC236}">
-                <a16:creationId xmlns:a16="http://schemas.microsoft.com/office/drawing/2014/main" id="{A005A86F-D385-AA35-FBAD-A6873A4E6D27}"/>
+                <a16:creationId xmlns:a16="http://schemas.microsoft.com/office/drawing/2014/main" id="{AFA337AC-1F05-98C9-AA5F-7CFEB6BA3AE5}"/>
               </a:ext>
             </a:extLst>
           </p:cNvPr>
@@ -910,7 +910,7 @@
           <a:bodyPr/>
           <a:lstStyle/>
           <a:p>
-            <a:fld id="{8311B822-16E9-4FA9-82C1-E02E1D4E2C3D}" type="slidenum">
+            <a:fld id="{6CE7E918-2D76-48E2-A723-2055D3D3E814}" type="slidenum">
               <a:rPr lang="zh-CN" altLang="en-US" smtClean="0"/>
               <a:t>‹#›</a:t>
             </a:fld>
@@ -921,7 +921,7 @@
     </p:spTree>
     <p:extLst>
       <p:ext uri="{BB962C8B-B14F-4D97-AF65-F5344CB8AC3E}">
-        <p14:creationId xmlns:p14="http://schemas.microsoft.com/office/powerpoint/2010/main" val="2557689145"/>
+        <p14:creationId xmlns:p14="http://schemas.microsoft.com/office/powerpoint/2010/main" val="4288218373"/>
       </p:ext>
     </p:extLst>
   </p:cSld>
@@ -953,7 +953,7 @@
           <p:cNvPr id="2" name="标题 1">
             <a:extLst>
               <a:ext uri="{FF2B5EF4-FFF2-40B4-BE49-F238E27FC236}">
-                <a16:creationId xmlns:a16="http://schemas.microsoft.com/office/drawing/2014/main" id="{9CB59574-795C-6B09-523E-4A5D7D5526B2}"/>
+                <a16:creationId xmlns:a16="http://schemas.microsoft.com/office/drawing/2014/main" id="{228EE99B-698E-47D7-E490-B848D379DC58}"/>
               </a:ext>
             </a:extLst>
           </p:cNvPr>
@@ -990,7 +990,7 @@
           <p:cNvPr id="3" name="文本占位符 2">
             <a:extLst>
               <a:ext uri="{FF2B5EF4-FFF2-40B4-BE49-F238E27FC236}">
-                <a16:creationId xmlns:a16="http://schemas.microsoft.com/office/drawing/2014/main" id="{7AD4769E-97DF-F75B-5331-44A2A8646C3B}"/>
+                <a16:creationId xmlns:a16="http://schemas.microsoft.com/office/drawing/2014/main" id="{CD0C9CC2-841C-1B89-D0F3-4A77C61B1866}"/>
               </a:ext>
             </a:extLst>
           </p:cNvPr>
@@ -1115,7 +1115,7 @@
           <p:cNvPr id="4" name="日期占位符 3">
             <a:extLst>
               <a:ext uri="{FF2B5EF4-FFF2-40B4-BE49-F238E27FC236}">
-                <a16:creationId xmlns:a16="http://schemas.microsoft.com/office/drawing/2014/main" id="{059DCD57-2CF1-CA0E-A1B9-BA18AD0C7F86}"/>
+                <a16:creationId xmlns:a16="http://schemas.microsoft.com/office/drawing/2014/main" id="{705899CE-E14C-F1DA-9393-6D38E05744EF}"/>
               </a:ext>
             </a:extLst>
           </p:cNvPr>
@@ -1131,7 +1131,7 @@
           <a:bodyPr/>
           <a:lstStyle/>
           <a:p>
-            <a:fld id="{0D6F8DA2-A8F3-4357-84D2-2E4C137EFED5}" type="datetimeFigureOut">
+            <a:fld id="{9A3350DF-570C-4250-AAE8-E480C495E539}" type="datetimeFigureOut">
               <a:rPr lang="zh-CN" altLang="en-US" smtClean="0"/>
               <a:t>2024/3/10</a:t>
             </a:fld>
@@ -1144,7 +1144,7 @@
           <p:cNvPr id="5" name="页脚占位符 4">
             <a:extLst>
               <a:ext uri="{FF2B5EF4-FFF2-40B4-BE49-F238E27FC236}">
-                <a16:creationId xmlns:a16="http://schemas.microsoft.com/office/drawing/2014/main" id="{49C909F0-80CE-6445-9D54-FA14A0AC71FD}"/>
+                <a16:creationId xmlns:a16="http://schemas.microsoft.com/office/drawing/2014/main" id="{96298931-06FE-4187-307B-1838F941639E}"/>
               </a:ext>
             </a:extLst>
           </p:cNvPr>
@@ -1169,7 +1169,7 @@
           <p:cNvPr id="6" name="灯片编号占位符 5">
             <a:extLst>
               <a:ext uri="{FF2B5EF4-FFF2-40B4-BE49-F238E27FC236}">
-                <a16:creationId xmlns:a16="http://schemas.microsoft.com/office/drawing/2014/main" id="{8385A733-3465-B8B6-1CA9-74FFE94EB891}"/>
+                <a16:creationId xmlns:a16="http://schemas.microsoft.com/office/drawing/2014/main" id="{C18CCD33-46ED-6949-7BB3-B3A52F0B556A}"/>
               </a:ext>
             </a:extLst>
           </p:cNvPr>
@@ -1185,7 +1185,7 @@
           <a:bodyPr/>
           <a:lstStyle/>
           <a:p>
-            <a:fld id="{8311B822-16E9-4FA9-82C1-E02E1D4E2C3D}" type="slidenum">
+            <a:fld id="{6CE7E918-2D76-48E2-A723-2055D3D3E814}" type="slidenum">
               <a:rPr lang="zh-CN" altLang="en-US" smtClean="0"/>
               <a:t>‹#›</a:t>
             </a:fld>
@@ -1196,7 +1196,7 @@
     </p:spTree>
     <p:extLst>
       <p:ext uri="{BB962C8B-B14F-4D97-AF65-F5344CB8AC3E}">
-        <p14:creationId xmlns:p14="http://schemas.microsoft.com/office/powerpoint/2010/main" val="1018493315"/>
+        <p14:creationId xmlns:p14="http://schemas.microsoft.com/office/powerpoint/2010/main" val="2264065176"/>
       </p:ext>
     </p:extLst>
   </p:cSld>
@@ -1228,7 +1228,7 @@
           <p:cNvPr id="2" name="标题 1">
             <a:extLst>
               <a:ext uri="{FF2B5EF4-FFF2-40B4-BE49-F238E27FC236}">
-                <a16:creationId xmlns:a16="http://schemas.microsoft.com/office/drawing/2014/main" id="{F742E295-0209-486C-85D1-D577CACD5537}"/>
+                <a16:creationId xmlns:a16="http://schemas.microsoft.com/office/drawing/2014/main" id="{ED21675F-4C26-1350-6B78-0D70D6E8D6FB}"/>
               </a:ext>
             </a:extLst>
           </p:cNvPr>
@@ -1256,7 +1256,7 @@
           <p:cNvPr id="3" name="内容占位符 2">
             <a:extLst>
               <a:ext uri="{FF2B5EF4-FFF2-40B4-BE49-F238E27FC236}">
-                <a16:creationId xmlns:a16="http://schemas.microsoft.com/office/drawing/2014/main" id="{BAF30386-BBBB-879F-56BF-29D91C80A0E9}"/>
+                <a16:creationId xmlns:a16="http://schemas.microsoft.com/office/drawing/2014/main" id="{5F49A9E6-7AC1-A063-F360-9AB69B06839E}"/>
               </a:ext>
             </a:extLst>
           </p:cNvPr>
@@ -1318,7 +1318,7 @@
           <p:cNvPr id="4" name="内容占位符 3">
             <a:extLst>
               <a:ext uri="{FF2B5EF4-FFF2-40B4-BE49-F238E27FC236}">
-                <a16:creationId xmlns:a16="http://schemas.microsoft.com/office/drawing/2014/main" id="{00027889-57C6-5B39-714E-CB4FDAF6D1BC}"/>
+                <a16:creationId xmlns:a16="http://schemas.microsoft.com/office/drawing/2014/main" id="{F075A36F-B0AA-3242-0FFF-59E6BDAB89FF}"/>
               </a:ext>
             </a:extLst>
           </p:cNvPr>
@@ -1380,7 +1380,7 @@
           <p:cNvPr id="5" name="日期占位符 4">
             <a:extLst>
               <a:ext uri="{FF2B5EF4-FFF2-40B4-BE49-F238E27FC236}">
-                <a16:creationId xmlns:a16="http://schemas.microsoft.com/office/drawing/2014/main" id="{B656723F-F249-AAE0-5B29-EE7F865F549C}"/>
+                <a16:creationId xmlns:a16="http://schemas.microsoft.com/office/drawing/2014/main" id="{042905EA-1A4E-9CC4-72BA-6A67F3DE2DD2}"/>
               </a:ext>
             </a:extLst>
           </p:cNvPr>
@@ -1396,7 +1396,7 @@
           <a:bodyPr/>
           <a:lstStyle/>
           <a:p>
-            <a:fld id="{0D6F8DA2-A8F3-4357-84D2-2E4C137EFED5}" type="datetimeFigureOut">
+            <a:fld id="{9A3350DF-570C-4250-AAE8-E480C495E539}" type="datetimeFigureOut">
               <a:rPr lang="zh-CN" altLang="en-US" smtClean="0"/>
               <a:t>2024/3/10</a:t>
             </a:fld>
@@ -1409,7 +1409,7 @@
           <p:cNvPr id="6" name="页脚占位符 5">
             <a:extLst>
               <a:ext uri="{FF2B5EF4-FFF2-40B4-BE49-F238E27FC236}">
-                <a16:creationId xmlns:a16="http://schemas.microsoft.com/office/drawing/2014/main" id="{4FD90BD5-7311-8559-70FB-91BF45DB37B6}"/>
+                <a16:creationId xmlns:a16="http://schemas.microsoft.com/office/drawing/2014/main" id="{B81FF462-CED5-7BB9-A8D7-771A936BAB59}"/>
               </a:ext>
             </a:extLst>
           </p:cNvPr>
@@ -1434,7 +1434,7 @@
           <p:cNvPr id="7" name="灯片编号占位符 6">
             <a:extLst>
               <a:ext uri="{FF2B5EF4-FFF2-40B4-BE49-F238E27FC236}">
-                <a16:creationId xmlns:a16="http://schemas.microsoft.com/office/drawing/2014/main" id="{31E44698-100B-4081-F4A9-26F2095F3C90}"/>
+                <a16:creationId xmlns:a16="http://schemas.microsoft.com/office/drawing/2014/main" id="{DCB730AB-7037-10B3-1F18-EB3041D7BA37}"/>
               </a:ext>
             </a:extLst>
           </p:cNvPr>
@@ -1450,7 +1450,7 @@
           <a:bodyPr/>
           <a:lstStyle/>
           <a:p>
-            <a:fld id="{8311B822-16E9-4FA9-82C1-E02E1D4E2C3D}" type="slidenum">
+            <a:fld id="{6CE7E918-2D76-48E2-A723-2055D3D3E814}" type="slidenum">
               <a:rPr lang="zh-CN" altLang="en-US" smtClean="0"/>
               <a:t>‹#›</a:t>
             </a:fld>
@@ -1461,7 +1461,7 @@
     </p:spTree>
     <p:extLst>
       <p:ext uri="{BB962C8B-B14F-4D97-AF65-F5344CB8AC3E}">
-        <p14:creationId xmlns:p14="http://schemas.microsoft.com/office/powerpoint/2010/main" val="1700374776"/>
+        <p14:creationId xmlns:p14="http://schemas.microsoft.com/office/powerpoint/2010/main" val="3461499670"/>
       </p:ext>
     </p:extLst>
   </p:cSld>
@@ -1493,7 +1493,7 @@
           <p:cNvPr id="2" name="标题 1">
             <a:extLst>
               <a:ext uri="{FF2B5EF4-FFF2-40B4-BE49-F238E27FC236}">
-                <a16:creationId xmlns:a16="http://schemas.microsoft.com/office/drawing/2014/main" id="{10F30A12-38C0-CD4D-1279-F91AE5A8BBA4}"/>
+                <a16:creationId xmlns:a16="http://schemas.microsoft.com/office/drawing/2014/main" id="{C303011F-5AE7-4C71-839E-EDDBBB26A20D}"/>
               </a:ext>
             </a:extLst>
           </p:cNvPr>
@@ -1526,7 +1526,7 @@
           <p:cNvPr id="3" name="文本占位符 2">
             <a:extLst>
               <a:ext uri="{FF2B5EF4-FFF2-40B4-BE49-F238E27FC236}">
-                <a16:creationId xmlns:a16="http://schemas.microsoft.com/office/drawing/2014/main" id="{CD3C2962-0FD2-563E-B6FB-361A0F6D9065}"/>
+                <a16:creationId xmlns:a16="http://schemas.microsoft.com/office/drawing/2014/main" id="{F4725B74-4731-0EA3-69B0-73CAC144B8FA}"/>
               </a:ext>
             </a:extLst>
           </p:cNvPr>
@@ -1597,7 +1597,7 @@
           <p:cNvPr id="4" name="内容占位符 3">
             <a:extLst>
               <a:ext uri="{FF2B5EF4-FFF2-40B4-BE49-F238E27FC236}">
-                <a16:creationId xmlns:a16="http://schemas.microsoft.com/office/drawing/2014/main" id="{AAFA8189-948A-CDEA-2602-44609D7176CA}"/>
+                <a16:creationId xmlns:a16="http://schemas.microsoft.com/office/drawing/2014/main" id="{2F354930-C38B-ECA1-2CBC-FFA80565D7F5}"/>
               </a:ext>
             </a:extLst>
           </p:cNvPr>
@@ -1659,7 +1659,7 @@
           <p:cNvPr id="5" name="文本占位符 4">
             <a:extLst>
               <a:ext uri="{FF2B5EF4-FFF2-40B4-BE49-F238E27FC236}">
-                <a16:creationId xmlns:a16="http://schemas.microsoft.com/office/drawing/2014/main" id="{8A025FC0-0F95-609E-5DB5-6D8D1FCC3857}"/>
+                <a16:creationId xmlns:a16="http://schemas.microsoft.com/office/drawing/2014/main" id="{82D1F5D3-F729-5E2B-946F-E9C4F2DC4CE2}"/>
               </a:ext>
             </a:extLst>
           </p:cNvPr>
@@ -1730,7 +1730,7 @@
           <p:cNvPr id="6" name="内容占位符 5">
             <a:extLst>
               <a:ext uri="{FF2B5EF4-FFF2-40B4-BE49-F238E27FC236}">
-                <a16:creationId xmlns:a16="http://schemas.microsoft.com/office/drawing/2014/main" id="{4A279F10-AB02-6F9A-A44F-FB14DEC17B00}"/>
+                <a16:creationId xmlns:a16="http://schemas.microsoft.com/office/drawing/2014/main" id="{3D132DB2-B288-F468-0BF1-693604609BE3}"/>
               </a:ext>
             </a:extLst>
           </p:cNvPr>
@@ -1792,7 +1792,7 @@
           <p:cNvPr id="7" name="日期占位符 6">
             <a:extLst>
               <a:ext uri="{FF2B5EF4-FFF2-40B4-BE49-F238E27FC236}">
-                <a16:creationId xmlns:a16="http://schemas.microsoft.com/office/drawing/2014/main" id="{EFD59AE0-5B12-3FBC-1F9A-8A02C0695BDD}"/>
+                <a16:creationId xmlns:a16="http://schemas.microsoft.com/office/drawing/2014/main" id="{7C7D5FA5-E537-9870-90F5-444FC2C11A44}"/>
               </a:ext>
             </a:extLst>
           </p:cNvPr>
@@ -1808,7 +1808,7 @@
           <a:bodyPr/>
           <a:lstStyle/>
           <a:p>
-            <a:fld id="{0D6F8DA2-A8F3-4357-84D2-2E4C137EFED5}" type="datetimeFigureOut">
+            <a:fld id="{9A3350DF-570C-4250-AAE8-E480C495E539}" type="datetimeFigureOut">
               <a:rPr lang="zh-CN" altLang="en-US" smtClean="0"/>
               <a:t>2024/3/10</a:t>
             </a:fld>
@@ -1821,7 +1821,7 @@
           <p:cNvPr id="8" name="页脚占位符 7">
             <a:extLst>
               <a:ext uri="{FF2B5EF4-FFF2-40B4-BE49-F238E27FC236}">
-                <a16:creationId xmlns:a16="http://schemas.microsoft.com/office/drawing/2014/main" id="{8273AF74-E674-BC8C-9E26-E79F9C1A4019}"/>
+                <a16:creationId xmlns:a16="http://schemas.microsoft.com/office/drawing/2014/main" id="{25CFAD6D-B74F-7A94-2909-DBF688357E47}"/>
               </a:ext>
             </a:extLst>
           </p:cNvPr>
@@ -1846,7 +1846,7 @@
           <p:cNvPr id="9" name="灯片编号占位符 8">
             <a:extLst>
               <a:ext uri="{FF2B5EF4-FFF2-40B4-BE49-F238E27FC236}">
-                <a16:creationId xmlns:a16="http://schemas.microsoft.com/office/drawing/2014/main" id="{80408319-27F8-5E61-9155-7EB8F99E280B}"/>
+                <a16:creationId xmlns:a16="http://schemas.microsoft.com/office/drawing/2014/main" id="{4BE482FC-47B2-7553-F9AA-C6AB8840CAE8}"/>
               </a:ext>
             </a:extLst>
           </p:cNvPr>
@@ -1862,7 +1862,7 @@
           <a:bodyPr/>
           <a:lstStyle/>
           <a:p>
-            <a:fld id="{8311B822-16E9-4FA9-82C1-E02E1D4E2C3D}" type="slidenum">
+            <a:fld id="{6CE7E918-2D76-48E2-A723-2055D3D3E814}" type="slidenum">
               <a:rPr lang="zh-CN" altLang="en-US" smtClean="0"/>
               <a:t>‹#›</a:t>
             </a:fld>
@@ -1873,7 +1873,7 @@
     </p:spTree>
     <p:extLst>
       <p:ext uri="{BB962C8B-B14F-4D97-AF65-F5344CB8AC3E}">
-        <p14:creationId xmlns:p14="http://schemas.microsoft.com/office/powerpoint/2010/main" val="3773621635"/>
+        <p14:creationId xmlns:p14="http://schemas.microsoft.com/office/powerpoint/2010/main" val="3648754198"/>
       </p:ext>
     </p:extLst>
   </p:cSld>
@@ -1905,7 +1905,7 @@
           <p:cNvPr id="2" name="标题 1">
             <a:extLst>
               <a:ext uri="{FF2B5EF4-FFF2-40B4-BE49-F238E27FC236}">
-                <a16:creationId xmlns:a16="http://schemas.microsoft.com/office/drawing/2014/main" id="{98391F9D-4FB6-2E65-2C9F-0B8BFDF2B135}"/>
+                <a16:creationId xmlns:a16="http://schemas.microsoft.com/office/drawing/2014/main" id="{6B8C7C42-4D75-07F2-6A9B-4069ECBB9B52}"/>
               </a:ext>
             </a:extLst>
           </p:cNvPr>
@@ -1933,7 +1933,7 @@
           <p:cNvPr id="3" name="日期占位符 2">
             <a:extLst>
               <a:ext uri="{FF2B5EF4-FFF2-40B4-BE49-F238E27FC236}">
-                <a16:creationId xmlns:a16="http://schemas.microsoft.com/office/drawing/2014/main" id="{EA601C65-E2BE-2EBC-A5D6-CEDA6F23CEAF}"/>
+                <a16:creationId xmlns:a16="http://schemas.microsoft.com/office/drawing/2014/main" id="{D12D2FD9-10DA-8862-3273-59351D5C4AED}"/>
               </a:ext>
             </a:extLst>
           </p:cNvPr>
@@ -1949,7 +1949,7 @@
           <a:bodyPr/>
           <a:lstStyle/>
           <a:p>
-            <a:fld id="{0D6F8DA2-A8F3-4357-84D2-2E4C137EFED5}" type="datetimeFigureOut">
+            <a:fld id="{9A3350DF-570C-4250-AAE8-E480C495E539}" type="datetimeFigureOut">
               <a:rPr lang="zh-CN" altLang="en-US" smtClean="0"/>
               <a:t>2024/3/10</a:t>
             </a:fld>
@@ -1962,7 +1962,7 @@
           <p:cNvPr id="4" name="页脚占位符 3">
             <a:extLst>
               <a:ext uri="{FF2B5EF4-FFF2-40B4-BE49-F238E27FC236}">
-                <a16:creationId xmlns:a16="http://schemas.microsoft.com/office/drawing/2014/main" id="{A9E37761-82D4-120C-060B-30F2E1859C72}"/>
+                <a16:creationId xmlns:a16="http://schemas.microsoft.com/office/drawing/2014/main" id="{80F17362-8CD1-ABFA-22E5-96E026A65544}"/>
               </a:ext>
             </a:extLst>
           </p:cNvPr>
@@ -1987,7 +1987,7 @@
           <p:cNvPr id="5" name="灯片编号占位符 4">
             <a:extLst>
               <a:ext uri="{FF2B5EF4-FFF2-40B4-BE49-F238E27FC236}">
-                <a16:creationId xmlns:a16="http://schemas.microsoft.com/office/drawing/2014/main" id="{8068BA20-94D7-E572-FFF1-0378183E61F5}"/>
+                <a16:creationId xmlns:a16="http://schemas.microsoft.com/office/drawing/2014/main" id="{165BD03A-515D-7597-6602-502A50688D27}"/>
               </a:ext>
             </a:extLst>
           </p:cNvPr>
@@ -2003,7 +2003,7 @@
           <a:bodyPr/>
           <a:lstStyle/>
           <a:p>
-            <a:fld id="{8311B822-16E9-4FA9-82C1-E02E1D4E2C3D}" type="slidenum">
+            <a:fld id="{6CE7E918-2D76-48E2-A723-2055D3D3E814}" type="slidenum">
               <a:rPr lang="zh-CN" altLang="en-US" smtClean="0"/>
               <a:t>‹#›</a:t>
             </a:fld>
@@ -2014,7 +2014,7 @@
     </p:spTree>
     <p:extLst>
       <p:ext uri="{BB962C8B-B14F-4D97-AF65-F5344CB8AC3E}">
-        <p14:creationId xmlns:p14="http://schemas.microsoft.com/office/powerpoint/2010/main" val="3840337357"/>
+        <p14:creationId xmlns:p14="http://schemas.microsoft.com/office/powerpoint/2010/main" val="486804448"/>
       </p:ext>
     </p:extLst>
   </p:cSld>
@@ -2046,7 +2046,7 @@
           <p:cNvPr id="2" name="日期占位符 1">
             <a:extLst>
               <a:ext uri="{FF2B5EF4-FFF2-40B4-BE49-F238E27FC236}">
-                <a16:creationId xmlns:a16="http://schemas.microsoft.com/office/drawing/2014/main" id="{73BA9102-B992-F450-4CC4-F641BFB371D3}"/>
+                <a16:creationId xmlns:a16="http://schemas.microsoft.com/office/drawing/2014/main" id="{1A5B045A-9DA6-6A6E-B751-5A8E9D354A60}"/>
               </a:ext>
             </a:extLst>
           </p:cNvPr>
@@ -2062,7 +2062,7 @@
           <a:bodyPr/>
           <a:lstStyle/>
           <a:p>
-            <a:fld id="{0D6F8DA2-A8F3-4357-84D2-2E4C137EFED5}" type="datetimeFigureOut">
+            <a:fld id="{9A3350DF-570C-4250-AAE8-E480C495E539}" type="datetimeFigureOut">
               <a:rPr lang="zh-CN" altLang="en-US" smtClean="0"/>
               <a:t>2024/3/10</a:t>
             </a:fld>
@@ -2075,7 +2075,7 @@
           <p:cNvPr id="3" name="页脚占位符 2">
             <a:extLst>
               <a:ext uri="{FF2B5EF4-FFF2-40B4-BE49-F238E27FC236}">
-                <a16:creationId xmlns:a16="http://schemas.microsoft.com/office/drawing/2014/main" id="{DC928769-C188-119D-3BEA-E4A14A1EC7FD}"/>
+                <a16:creationId xmlns:a16="http://schemas.microsoft.com/office/drawing/2014/main" id="{BC96E45C-5E59-55C1-DBB1-72BA8293B627}"/>
               </a:ext>
             </a:extLst>
           </p:cNvPr>
@@ -2100,7 +2100,7 @@
           <p:cNvPr id="4" name="灯片编号占位符 3">
             <a:extLst>
               <a:ext uri="{FF2B5EF4-FFF2-40B4-BE49-F238E27FC236}">
-                <a16:creationId xmlns:a16="http://schemas.microsoft.com/office/drawing/2014/main" id="{66136D2B-DF15-6A2B-1A82-844652581A15}"/>
+                <a16:creationId xmlns:a16="http://schemas.microsoft.com/office/drawing/2014/main" id="{5B33F374-711E-10A7-FF88-4184B96556E5}"/>
               </a:ext>
             </a:extLst>
           </p:cNvPr>
@@ -2116,7 +2116,7 @@
           <a:bodyPr/>
           <a:lstStyle/>
           <a:p>
-            <a:fld id="{8311B822-16E9-4FA9-82C1-E02E1D4E2C3D}" type="slidenum">
+            <a:fld id="{6CE7E918-2D76-48E2-A723-2055D3D3E814}" type="slidenum">
               <a:rPr lang="zh-CN" altLang="en-US" smtClean="0"/>
               <a:t>‹#›</a:t>
             </a:fld>
@@ -2127,7 +2127,7 @@
     </p:spTree>
     <p:extLst>
       <p:ext uri="{BB962C8B-B14F-4D97-AF65-F5344CB8AC3E}">
-        <p14:creationId xmlns:p14="http://schemas.microsoft.com/office/powerpoint/2010/main" val="560251587"/>
+        <p14:creationId xmlns:p14="http://schemas.microsoft.com/office/powerpoint/2010/main" val="3683722831"/>
       </p:ext>
     </p:extLst>
   </p:cSld>
@@ -2159,7 +2159,7 @@
           <p:cNvPr id="2" name="标题 1">
             <a:extLst>
               <a:ext uri="{FF2B5EF4-FFF2-40B4-BE49-F238E27FC236}">
-                <a16:creationId xmlns:a16="http://schemas.microsoft.com/office/drawing/2014/main" id="{53193243-ED41-1B46-C6DF-3CDAA6BB7D9B}"/>
+                <a16:creationId xmlns:a16="http://schemas.microsoft.com/office/drawing/2014/main" id="{027EBE91-B2B5-1E22-F1E6-979E76980431}"/>
               </a:ext>
             </a:extLst>
           </p:cNvPr>
@@ -2196,7 +2196,7 @@
           <p:cNvPr id="3" name="内容占位符 2">
             <a:extLst>
               <a:ext uri="{FF2B5EF4-FFF2-40B4-BE49-F238E27FC236}">
-                <a16:creationId xmlns:a16="http://schemas.microsoft.com/office/drawing/2014/main" id="{566A0E36-F546-4B44-AC25-CD6F4C31E0F9}"/>
+                <a16:creationId xmlns:a16="http://schemas.microsoft.com/office/drawing/2014/main" id="{CCC4E8C6-0737-2DE1-5B5E-1BA055F1EE0D}"/>
               </a:ext>
             </a:extLst>
           </p:cNvPr>
@@ -2286,7 +2286,7 @@
           <p:cNvPr id="4" name="文本占位符 3">
             <a:extLst>
               <a:ext uri="{FF2B5EF4-FFF2-40B4-BE49-F238E27FC236}">
-                <a16:creationId xmlns:a16="http://schemas.microsoft.com/office/drawing/2014/main" id="{2E4DE9C8-A2F8-E327-41D8-8340AC7EB518}"/>
+                <a16:creationId xmlns:a16="http://schemas.microsoft.com/office/drawing/2014/main" id="{807AED78-067E-D679-79E2-617C182C7F0F}"/>
               </a:ext>
             </a:extLst>
           </p:cNvPr>
@@ -2357,7 +2357,7 @@
           <p:cNvPr id="5" name="日期占位符 4">
             <a:extLst>
               <a:ext uri="{FF2B5EF4-FFF2-40B4-BE49-F238E27FC236}">
-                <a16:creationId xmlns:a16="http://schemas.microsoft.com/office/drawing/2014/main" id="{289A2F57-F15F-0BA7-4B06-F30967F51997}"/>
+                <a16:creationId xmlns:a16="http://schemas.microsoft.com/office/drawing/2014/main" id="{BB9B5B32-62F5-BB9C-ACFF-482FDC17C99D}"/>
               </a:ext>
             </a:extLst>
           </p:cNvPr>
@@ -2373,7 +2373,7 @@
           <a:bodyPr/>
           <a:lstStyle/>
           <a:p>
-            <a:fld id="{0D6F8DA2-A8F3-4357-84D2-2E4C137EFED5}" type="datetimeFigureOut">
+            <a:fld id="{9A3350DF-570C-4250-AAE8-E480C495E539}" type="datetimeFigureOut">
               <a:rPr lang="zh-CN" altLang="en-US" smtClean="0"/>
               <a:t>2024/3/10</a:t>
             </a:fld>
@@ -2386,7 +2386,7 @@
           <p:cNvPr id="6" name="页脚占位符 5">
             <a:extLst>
               <a:ext uri="{FF2B5EF4-FFF2-40B4-BE49-F238E27FC236}">
-                <a16:creationId xmlns:a16="http://schemas.microsoft.com/office/drawing/2014/main" id="{84D8DA81-DE9F-6C94-E42A-7F2F377AE1CD}"/>
+                <a16:creationId xmlns:a16="http://schemas.microsoft.com/office/drawing/2014/main" id="{90E1F47C-8912-8E87-9683-CB6BCBD54D4F}"/>
               </a:ext>
             </a:extLst>
           </p:cNvPr>
@@ -2411,7 +2411,7 @@
           <p:cNvPr id="7" name="灯片编号占位符 6">
             <a:extLst>
               <a:ext uri="{FF2B5EF4-FFF2-40B4-BE49-F238E27FC236}">
-                <a16:creationId xmlns:a16="http://schemas.microsoft.com/office/drawing/2014/main" id="{9AB13942-B3F5-9D15-513A-DEFCAD210753}"/>
+                <a16:creationId xmlns:a16="http://schemas.microsoft.com/office/drawing/2014/main" id="{069C71F6-96F1-71FB-1EEA-42C3FE112880}"/>
               </a:ext>
             </a:extLst>
           </p:cNvPr>
@@ -2427,7 +2427,7 @@
           <a:bodyPr/>
           <a:lstStyle/>
           <a:p>
-            <a:fld id="{8311B822-16E9-4FA9-82C1-E02E1D4E2C3D}" type="slidenum">
+            <a:fld id="{6CE7E918-2D76-48E2-A723-2055D3D3E814}" type="slidenum">
               <a:rPr lang="zh-CN" altLang="en-US" smtClean="0"/>
               <a:t>‹#›</a:t>
             </a:fld>
@@ -2438,7 +2438,7 @@
     </p:spTree>
     <p:extLst>
       <p:ext uri="{BB962C8B-B14F-4D97-AF65-F5344CB8AC3E}">
-        <p14:creationId xmlns:p14="http://schemas.microsoft.com/office/powerpoint/2010/main" val="3929657090"/>
+        <p14:creationId xmlns:p14="http://schemas.microsoft.com/office/powerpoint/2010/main" val="3921578592"/>
       </p:ext>
     </p:extLst>
   </p:cSld>
@@ -2470,7 +2470,7 @@
           <p:cNvPr id="2" name="标题 1">
             <a:extLst>
               <a:ext uri="{FF2B5EF4-FFF2-40B4-BE49-F238E27FC236}">
-                <a16:creationId xmlns:a16="http://schemas.microsoft.com/office/drawing/2014/main" id="{F97FC0DB-751D-55BB-20A6-D4F6588EB16F}"/>
+                <a16:creationId xmlns:a16="http://schemas.microsoft.com/office/drawing/2014/main" id="{50F97A1A-C945-1B60-4604-ACEB8EEC7E6F}"/>
               </a:ext>
             </a:extLst>
           </p:cNvPr>
@@ -2507,7 +2507,7 @@
           <p:cNvPr id="3" name="图片占位符 2">
             <a:extLst>
               <a:ext uri="{FF2B5EF4-FFF2-40B4-BE49-F238E27FC236}">
-                <a16:creationId xmlns:a16="http://schemas.microsoft.com/office/drawing/2014/main" id="{FF77CFBE-A0AB-AC53-CEAF-D251FEADE3D9}"/>
+                <a16:creationId xmlns:a16="http://schemas.microsoft.com/office/drawing/2014/main" id="{B3384DED-60D1-81AD-1675-42190069F11C}"/>
               </a:ext>
             </a:extLst>
           </p:cNvPr>
@@ -2574,7 +2574,7 @@
           <p:cNvPr id="4" name="文本占位符 3">
             <a:extLst>
               <a:ext uri="{FF2B5EF4-FFF2-40B4-BE49-F238E27FC236}">
-                <a16:creationId xmlns:a16="http://schemas.microsoft.com/office/drawing/2014/main" id="{538A9406-BDEA-7222-4E1B-A08952445F4D}"/>
+                <a16:creationId xmlns:a16="http://schemas.microsoft.com/office/drawing/2014/main" id="{644EB135-CC50-18E5-76DC-D3D37265A97F}"/>
               </a:ext>
             </a:extLst>
           </p:cNvPr>
@@ -2645,7 +2645,7 @@
           <p:cNvPr id="5" name="日期占位符 4">
             <a:extLst>
               <a:ext uri="{FF2B5EF4-FFF2-40B4-BE49-F238E27FC236}">
-                <a16:creationId xmlns:a16="http://schemas.microsoft.com/office/drawing/2014/main" id="{7D108346-16EC-A3D5-E43B-D97C2E2BCD97}"/>
+                <a16:creationId xmlns:a16="http://schemas.microsoft.com/office/drawing/2014/main" id="{9FBBAD8B-4712-C2DC-A56A-7D3934A3299E}"/>
               </a:ext>
             </a:extLst>
           </p:cNvPr>
@@ -2661,7 +2661,7 @@
           <a:bodyPr/>
           <a:lstStyle/>
           <a:p>
-            <a:fld id="{0D6F8DA2-A8F3-4357-84D2-2E4C137EFED5}" type="datetimeFigureOut">
+            <a:fld id="{9A3350DF-570C-4250-AAE8-E480C495E539}" type="datetimeFigureOut">
               <a:rPr lang="zh-CN" altLang="en-US" smtClean="0"/>
               <a:t>2024/3/10</a:t>
             </a:fld>
@@ -2674,7 +2674,7 @@
           <p:cNvPr id="6" name="页脚占位符 5">
             <a:extLst>
               <a:ext uri="{FF2B5EF4-FFF2-40B4-BE49-F238E27FC236}">
-                <a16:creationId xmlns:a16="http://schemas.microsoft.com/office/drawing/2014/main" id="{DBEFD870-60DB-D606-E665-00802E411641}"/>
+                <a16:creationId xmlns:a16="http://schemas.microsoft.com/office/drawing/2014/main" id="{5FAE2DD1-E279-CE84-BBC3-2B3C8AAB0525}"/>
               </a:ext>
             </a:extLst>
           </p:cNvPr>
@@ -2699,7 +2699,7 @@
           <p:cNvPr id="7" name="灯片编号占位符 6">
             <a:extLst>
               <a:ext uri="{FF2B5EF4-FFF2-40B4-BE49-F238E27FC236}">
-                <a16:creationId xmlns:a16="http://schemas.microsoft.com/office/drawing/2014/main" id="{90C181F2-D038-FCED-170B-8A961B39C418}"/>
+                <a16:creationId xmlns:a16="http://schemas.microsoft.com/office/drawing/2014/main" id="{8441DC6A-B31A-28E2-F627-F2A70AB5C944}"/>
               </a:ext>
             </a:extLst>
           </p:cNvPr>
@@ -2715,7 +2715,7 @@
           <a:bodyPr/>
           <a:lstStyle/>
           <a:p>
-            <a:fld id="{8311B822-16E9-4FA9-82C1-E02E1D4E2C3D}" type="slidenum">
+            <a:fld id="{6CE7E918-2D76-48E2-A723-2055D3D3E814}" type="slidenum">
               <a:rPr lang="zh-CN" altLang="en-US" smtClean="0"/>
               <a:t>‹#›</a:t>
             </a:fld>
@@ -2726,7 +2726,7 @@
     </p:spTree>
     <p:extLst>
       <p:ext uri="{BB962C8B-B14F-4D97-AF65-F5344CB8AC3E}">
-        <p14:creationId xmlns:p14="http://schemas.microsoft.com/office/powerpoint/2010/main" val="3483366565"/>
+        <p14:creationId xmlns:p14="http://schemas.microsoft.com/office/powerpoint/2010/main" val="690025543"/>
       </p:ext>
     </p:extLst>
   </p:cSld>
@@ -2763,7 +2763,7 @@
           <p:cNvPr id="2" name="标题占位符 1">
             <a:extLst>
               <a:ext uri="{FF2B5EF4-FFF2-40B4-BE49-F238E27FC236}">
-                <a16:creationId xmlns:a16="http://schemas.microsoft.com/office/drawing/2014/main" id="{A9543148-FB41-65DF-280C-74CC7B9DB8DE}"/>
+                <a16:creationId xmlns:a16="http://schemas.microsoft.com/office/drawing/2014/main" id="{832FA933-09DD-C41D-F6EA-53DF6F4FC124}"/>
               </a:ext>
             </a:extLst>
           </p:cNvPr>
@@ -2801,7 +2801,7 @@
           <p:cNvPr id="3" name="文本占位符 2">
             <a:extLst>
               <a:ext uri="{FF2B5EF4-FFF2-40B4-BE49-F238E27FC236}">
-                <a16:creationId xmlns:a16="http://schemas.microsoft.com/office/drawing/2014/main" id="{B4D5C1A7-C6AB-4443-8809-4246F415F5ED}"/>
+                <a16:creationId xmlns:a16="http://schemas.microsoft.com/office/drawing/2014/main" id="{6D7C56CE-356E-D42C-725F-E8B7D0D1C424}"/>
               </a:ext>
             </a:extLst>
           </p:cNvPr>
@@ -2868,7 +2868,7 @@
           <p:cNvPr id="4" name="日期占位符 3">
             <a:extLst>
               <a:ext uri="{FF2B5EF4-FFF2-40B4-BE49-F238E27FC236}">
-                <a16:creationId xmlns:a16="http://schemas.microsoft.com/office/drawing/2014/main" id="{2029BAC2-9CF9-261E-FDC5-6335173189DE}"/>
+                <a16:creationId xmlns:a16="http://schemas.microsoft.com/office/drawing/2014/main" id="{FADE6210-5F85-2297-524F-A92D56608661}"/>
               </a:ext>
             </a:extLst>
           </p:cNvPr>
@@ -2902,7 +2902,7 @@
             </a:lvl1pPr>
           </a:lstStyle>
           <a:p>
-            <a:fld id="{0D6F8DA2-A8F3-4357-84D2-2E4C137EFED5}" type="datetimeFigureOut">
+            <a:fld id="{9A3350DF-570C-4250-AAE8-E480C495E539}" type="datetimeFigureOut">
               <a:rPr lang="zh-CN" altLang="en-US" smtClean="0"/>
               <a:t>2024/3/10</a:t>
             </a:fld>
@@ -2915,7 +2915,7 @@
           <p:cNvPr id="5" name="页脚占位符 4">
             <a:extLst>
               <a:ext uri="{FF2B5EF4-FFF2-40B4-BE49-F238E27FC236}">
-                <a16:creationId xmlns:a16="http://schemas.microsoft.com/office/drawing/2014/main" id="{F8E5368A-A17B-DC01-401F-028F312CF131}"/>
+                <a16:creationId xmlns:a16="http://schemas.microsoft.com/office/drawing/2014/main" id="{5B34F350-9F7D-16A6-5E33-1F99106CC8F1}"/>
               </a:ext>
             </a:extLst>
           </p:cNvPr>
@@ -2958,7 +2958,7 @@
           <p:cNvPr id="6" name="灯片编号占位符 5">
             <a:extLst>
               <a:ext uri="{FF2B5EF4-FFF2-40B4-BE49-F238E27FC236}">
-                <a16:creationId xmlns:a16="http://schemas.microsoft.com/office/drawing/2014/main" id="{DFBABFD7-DB42-0068-8402-DD62AA8EAE00}"/>
+                <a16:creationId xmlns:a16="http://schemas.microsoft.com/office/drawing/2014/main" id="{611020BE-A38F-B082-58E8-558EB4B189C5}"/>
               </a:ext>
             </a:extLst>
           </p:cNvPr>
@@ -2992,7 +2992,7 @@
             </a:lvl1pPr>
           </a:lstStyle>
           <a:p>
-            <a:fld id="{8311B822-16E9-4FA9-82C1-E02E1D4E2C3D}" type="slidenum">
+            <a:fld id="{6CE7E918-2D76-48E2-A723-2055D3D3E814}" type="slidenum">
               <a:rPr lang="zh-CN" altLang="en-US" smtClean="0"/>
               <a:t>‹#›</a:t>
             </a:fld>
@@ -3003,7 +3003,7 @@
     </p:spTree>
     <p:extLst>
       <p:ext uri="{BB962C8B-B14F-4D97-AF65-F5344CB8AC3E}">
-        <p14:creationId xmlns:p14="http://schemas.microsoft.com/office/powerpoint/2010/main" val="2836311393"/>
+        <p14:creationId xmlns:p14="http://schemas.microsoft.com/office/powerpoint/2010/main" val="3304836264"/>
       </p:ext>
     </p:extLst>
   </p:cSld>
@@ -3323,7 +3323,7 @@
       </p:grpSpPr>
       <p:pic>
         <p:nvPicPr>
-          <p:cNvPr id="1242114" name="Picture 2" descr="1212"/>
+          <p:cNvPr id="1243138" name="Picture 2" descr="1213"/>
           <p:cNvPicPr>
             <a:picLocks noChangeAspect="1" noChangeArrowheads="1"/>
           </p:cNvPicPr>
@@ -3344,8 +3344,8 @@
         </p:blipFill>
         <p:spPr bwMode="auto">
           <a:xfrm>
-            <a:off x="1524000" y="0"/>
-            <a:ext cx="9144000" cy="6859588"/>
+            <a:off x="1543050" y="1"/>
+            <a:ext cx="9124950" cy="6843713"/>
           </a:xfrm>
           <a:prstGeom prst="rect">
             <a:avLst/>
